--- a/plan_du_cours.pptx
+++ b/plan_du_cours.pptx
@@ -5,15 +5,16 @@
     <p:sldMasterId id="2147483648" r:id="rId1"/>
   </p:sldMasterIdLst>
   <p:notesMasterIdLst>
-    <p:notesMasterId r:id="rId8"/>
+    <p:notesMasterId r:id="rId9"/>
   </p:notesMasterIdLst>
   <p:sldIdLst>
     <p:sldId id="256" r:id="rId2"/>
     <p:sldId id="258" r:id="rId3"/>
     <p:sldId id="259" r:id="rId4"/>
-    <p:sldId id="261" r:id="rId5"/>
-    <p:sldId id="264" r:id="rId6"/>
+    <p:sldId id="266" r:id="rId5"/>
+    <p:sldId id="261" r:id="rId6"/>
     <p:sldId id="265" r:id="rId7"/>
+    <p:sldId id="264" r:id="rId8"/>
   </p:sldIdLst>
   <p:sldSz cx="12192000" cy="6858000"/>
   <p:notesSz cx="6858000" cy="9144000"/>
@@ -202,7 +203,7 @@
           <a:p>
             <a:fld id="{2A11EF29-F031-4460-BDC1-2F4C0816FF62}" type="datetimeFigureOut">
               <a:rPr lang="fr-FR" smtClean="0"/>
-              <a:t>06/01/2019</a:t>
+              <a:t>03/01/2020</a:t>
             </a:fld>
             <a:endParaRPr lang="fr-FR"/>
           </a:p>
@@ -631,7 +632,41 @@
           <a:bodyPr/>
           <a:lstStyle/>
           <a:p>
+            <a:r>
+              <a:rPr lang="fr-FR" dirty="0"/>
+              <a:t>JRE : Java </a:t>
+            </a:r>
+            <a:r>
+              <a:rPr lang="fr-FR" dirty="0" err="1"/>
+              <a:t>Runtime</a:t>
+            </a:r>
+            <a:r>
+              <a:rPr lang="fr-FR" baseline="0" dirty="0"/>
+              <a:t> Environnement</a:t>
+            </a:r>
             <a:endParaRPr lang="fr-FR" dirty="0"/>
+          </a:p>
+          <a:p>
+            <a:r>
+              <a:rPr lang="fr-FR" dirty="0"/>
+              <a:t>SDK : Software </a:t>
+            </a:r>
+            <a:r>
+              <a:rPr lang="fr-FR" dirty="0" err="1"/>
+              <a:t>Development</a:t>
+            </a:r>
+            <a:r>
+              <a:rPr lang="fr-FR" dirty="0"/>
+              <a:t> Ki</a:t>
+            </a:r>
+            <a:r>
+              <a:rPr lang="fr-FR" baseline="0" dirty="0"/>
+              <a:t> =</a:t>
+            </a:r>
+            <a:r>
+              <a:rPr lang="fr-FR" dirty="0"/>
+              <a:t> Kit de Développement (Logiciel)</a:t>
+            </a:r>
           </a:p>
         </p:txBody>
       </p:sp>
@@ -661,7 +696,7 @@
     </p:spTree>
     <p:extLst>
       <p:ext uri="{BB962C8B-B14F-4D97-AF65-F5344CB8AC3E}">
-        <p14:creationId xmlns:p14="http://schemas.microsoft.com/office/powerpoint/2010/main" val="1887795128"/>
+        <p14:creationId xmlns:p14="http://schemas.microsoft.com/office/powerpoint/2010/main" val="340442684"/>
       </p:ext>
     </p:extLst>
   </p:cSld>
@@ -745,7 +780,7 @@
     </p:spTree>
     <p:extLst>
       <p:ext uri="{BB962C8B-B14F-4D97-AF65-F5344CB8AC3E}">
-        <p14:creationId xmlns:p14="http://schemas.microsoft.com/office/powerpoint/2010/main" val="834258146"/>
+        <p14:creationId xmlns:p14="http://schemas.microsoft.com/office/powerpoint/2010/main" val="1887795128"/>
       </p:ext>
     </p:extLst>
   </p:cSld>
@@ -839,6 +874,90 @@
 </p:notes>
 </file>
 
+<file path=ppt/notesSlides/notesSlide5.xml><?xml version="1.0" encoding="utf-8"?>
+<p:notes xmlns:a="http://schemas.openxmlformats.org/drawingml/2006/main" xmlns:r="http://schemas.openxmlformats.org/officeDocument/2006/relationships" xmlns:p="http://schemas.openxmlformats.org/presentationml/2006/main">
+  <p:cSld>
+    <p:spTree>
+      <p:nvGrpSpPr>
+        <p:cNvPr id="1" name=""/>
+        <p:cNvGrpSpPr/>
+        <p:nvPr/>
+      </p:nvGrpSpPr>
+      <p:grpSpPr>
+        <a:xfrm>
+          <a:off x="0" y="0"/>
+          <a:ext cx="0" cy="0"/>
+          <a:chOff x="0" y="0"/>
+          <a:chExt cx="0" cy="0"/>
+        </a:xfrm>
+      </p:grpSpPr>
+      <p:sp>
+        <p:nvSpPr>
+          <p:cNvPr id="2" name="Espace réservé de l'image des diapositives 1"/>
+          <p:cNvSpPr>
+            <a:spLocks noGrp="1" noRot="1" noChangeAspect="1"/>
+          </p:cNvSpPr>
+          <p:nvPr>
+            <p:ph type="sldImg"/>
+          </p:nvPr>
+        </p:nvSpPr>
+        <p:spPr/>
+      </p:sp>
+      <p:sp>
+        <p:nvSpPr>
+          <p:cNvPr id="3" name="Espace réservé des commentaires 2"/>
+          <p:cNvSpPr>
+            <a:spLocks noGrp="1"/>
+          </p:cNvSpPr>
+          <p:nvPr>
+            <p:ph type="body" idx="1"/>
+          </p:nvPr>
+        </p:nvSpPr>
+        <p:spPr/>
+        <p:txBody>
+          <a:bodyPr/>
+          <a:lstStyle/>
+          <a:p>
+            <a:endParaRPr lang="fr-FR" dirty="0"/>
+          </a:p>
+        </p:txBody>
+      </p:sp>
+      <p:sp>
+        <p:nvSpPr>
+          <p:cNvPr id="4" name="Espace réservé du numéro de diapositive 3"/>
+          <p:cNvSpPr>
+            <a:spLocks noGrp="1"/>
+          </p:cNvSpPr>
+          <p:nvPr>
+            <p:ph type="sldNum" sz="quarter" idx="10"/>
+          </p:nvPr>
+        </p:nvSpPr>
+        <p:spPr/>
+        <p:txBody>
+          <a:bodyPr/>
+          <a:lstStyle/>
+          <a:p>
+            <a:fld id="{EF12E977-82C1-4366-8217-70F96AE9AED3}" type="slidenum">
+              <a:rPr lang="fr-FR" smtClean="0"/>
+              <a:t>7</a:t>
+            </a:fld>
+            <a:endParaRPr lang="fr-FR"/>
+          </a:p>
+        </p:txBody>
+      </p:sp>
+    </p:spTree>
+    <p:extLst>
+      <p:ext uri="{BB962C8B-B14F-4D97-AF65-F5344CB8AC3E}">
+        <p14:creationId xmlns:p14="http://schemas.microsoft.com/office/powerpoint/2010/main" val="834258146"/>
+      </p:ext>
+    </p:extLst>
+  </p:cSld>
+  <p:clrMapOvr>
+    <a:masterClrMapping/>
+  </p:clrMapOvr>
+</p:notes>
+</file>
+
 <file path=ppt/slideLayouts/slideLayout1.xml><?xml version="1.0" encoding="utf-8"?>
 <p:sldLayout xmlns:a="http://schemas.openxmlformats.org/drawingml/2006/main" xmlns:r="http://schemas.openxmlformats.org/officeDocument/2006/relationships" xmlns:p="http://schemas.openxmlformats.org/presentationml/2006/main" type="title" preserve="1">
   <p:cSld name="Diapositive de titre">
@@ -968,7 +1087,7 @@
           <a:p>
             <a:fld id="{61E68B4C-A18C-4580-9DBF-10C1B552DA0A}" type="datetime1">
               <a:rPr lang="fr-FR" smtClean="0"/>
-              <a:t>06/01/2019</a:t>
+              <a:t>03/01/2020</a:t>
             </a:fld>
             <a:endParaRPr lang="fr-FR"/>
           </a:p>
@@ -1139,7 +1258,7 @@
           <a:p>
             <a:fld id="{33BBDF30-760E-44D6-9977-54B88BDB306F}" type="datetime1">
               <a:rPr lang="fr-FR" smtClean="0"/>
-              <a:t>06/01/2019</a:t>
+              <a:t>03/01/2020</a:t>
             </a:fld>
             <a:endParaRPr lang="fr-FR"/>
           </a:p>
@@ -1320,7 +1439,7 @@
           <a:p>
             <a:fld id="{936C1701-50D5-46A3-8884-D7962FCBEB35}" type="datetime1">
               <a:rPr lang="fr-FR" smtClean="0"/>
-              <a:t>06/01/2019</a:t>
+              <a:t>03/01/2020</a:t>
             </a:fld>
             <a:endParaRPr lang="fr-FR"/>
           </a:p>
@@ -1491,7 +1610,7 @@
           <a:p>
             <a:fld id="{FB1C5CD7-A317-4B47-8334-BE6C77F3043D}" type="datetime1">
               <a:rPr lang="fr-FR" smtClean="0"/>
-              <a:t>06/01/2019</a:t>
+              <a:t>03/01/2020</a:t>
             </a:fld>
             <a:endParaRPr lang="fr-FR"/>
           </a:p>
@@ -1739,7 +1858,7 @@
           <a:p>
             <a:fld id="{27BB4E62-2182-4E64-A865-E0316FE55639}" type="datetime1">
               <a:rPr lang="fr-FR" smtClean="0"/>
-              <a:t>06/01/2019</a:t>
+              <a:t>03/01/2020</a:t>
             </a:fld>
             <a:endParaRPr lang="fr-FR"/>
           </a:p>
@@ -1971,7 +2090,7 @@
           <a:p>
             <a:fld id="{5C848654-37BD-4CD6-BC6D-5ABAE3294E16}" type="datetime1">
               <a:rPr lang="fr-FR" smtClean="0"/>
-              <a:t>06/01/2019</a:t>
+              <a:t>03/01/2020</a:t>
             </a:fld>
             <a:endParaRPr lang="fr-FR"/>
           </a:p>
@@ -2338,7 +2457,7 @@
           <a:p>
             <a:fld id="{868D0E6B-48A9-4A38-BF7D-049DC383303E}" type="datetime1">
               <a:rPr lang="fr-FR" smtClean="0"/>
-              <a:t>06/01/2019</a:t>
+              <a:t>03/01/2020</a:t>
             </a:fld>
             <a:endParaRPr lang="fr-FR"/>
           </a:p>
@@ -2458,7 +2577,7 @@
           <a:p>
             <a:fld id="{48C90E04-18E3-4E93-8B1D-B61C20F8CDF0}" type="datetime1">
               <a:rPr lang="fr-FR" smtClean="0"/>
-              <a:t>06/01/2019</a:t>
+              <a:t>03/01/2020</a:t>
             </a:fld>
             <a:endParaRPr lang="fr-FR"/>
           </a:p>
@@ -2556,7 +2675,7 @@
           <a:p>
             <a:fld id="{35B94D30-C13E-4A60-87D1-612090FE3305}" type="datetime1">
               <a:rPr lang="fr-FR" smtClean="0"/>
-              <a:t>06/01/2019</a:t>
+              <a:t>03/01/2020</a:t>
             </a:fld>
             <a:endParaRPr lang="fr-FR"/>
           </a:p>
@@ -2834,7 +2953,7 @@
           <a:p>
             <a:fld id="{566614E8-8C48-447B-8312-B5AD964AE5CA}" type="datetime1">
               <a:rPr lang="fr-FR" smtClean="0"/>
-              <a:t>06/01/2019</a:t>
+              <a:t>03/01/2020</a:t>
             </a:fld>
             <a:endParaRPr lang="fr-FR"/>
           </a:p>
@@ -3089,7 +3208,7 @@
           <a:p>
             <a:fld id="{269CDBDD-4A65-4264-B0FD-6A38E12ADD25}" type="datetime1">
               <a:rPr lang="fr-FR" smtClean="0"/>
-              <a:t>06/01/2019</a:t>
+              <a:t>03/01/2020</a:t>
             </a:fld>
             <a:endParaRPr lang="fr-FR"/>
           </a:p>
@@ -3303,7 +3422,7 @@
           <a:p>
             <a:fld id="{A2F7CCBE-29F8-4CD9-B9A9-0931E30CBD53}" type="datetime1">
               <a:rPr lang="fr-FR" smtClean="0"/>
-              <a:t>06/01/2019</a:t>
+              <a:t>03/01/2020</a:t>
             </a:fld>
             <a:endParaRPr lang="fr-FR"/>
           </a:p>
@@ -3754,7 +3873,7 @@
           <a:p>
             <a:r>
               <a:rPr lang="fr-FR" dirty="0"/>
-              <a:t>ENSG 2019, Cours d’introduction à Android</a:t>
+              <a:t>ENSG, Cours d’introduction à Android</a:t>
             </a:r>
           </a:p>
         </p:txBody>
@@ -3858,16 +3977,38 @@
           <a:p>
             <a:r>
               <a:rPr lang="fr-FR" dirty="0"/>
+              <a:t>Développement sous Android</a:t>
+            </a:r>
+          </a:p>
+          <a:p>
+            <a:pPr lvl="1"/>
+            <a:r>
+              <a:rPr lang="fr-FR" dirty="0"/>
+              <a:t>Applications « natives »</a:t>
+            </a:r>
+          </a:p>
+          <a:p>
+            <a:pPr lvl="1"/>
+            <a:r>
+              <a:rPr lang="fr-FR" dirty="0"/>
+              <a:t>Autres applications</a:t>
+            </a:r>
+          </a:p>
+          <a:p>
+            <a:r>
+              <a:rPr lang="fr-FR" dirty="0"/>
               <a:t>Présentation de l’environnement de développement</a:t>
             </a:r>
           </a:p>
           <a:p>
+            <a:pPr lvl="1"/>
             <a:r>
               <a:rPr lang="fr-FR" dirty="0"/>
               <a:t>Organisation du code</a:t>
             </a:r>
           </a:p>
           <a:p>
+            <a:pPr lvl="1"/>
             <a:r>
               <a:rPr lang="fr-FR" dirty="0"/>
               <a:t>Design Pattern</a:t>
@@ -3949,36 +4090,6 @@
           </a:p>
         </p:txBody>
       </p:sp>
-      <p:pic>
-        <p:nvPicPr>
-          <p:cNvPr id="7" name="Espace réservé du contenu 7"/>
-          <p:cNvPicPr>
-            <a:picLocks noChangeAspect="1"/>
-          </p:cNvPicPr>
-          <p:nvPr/>
-        </p:nvPicPr>
-        <p:blipFill>
-          <a:blip r:embed="rId3">
-            <a:extLst>
-              <a:ext uri="{28A0092B-C50C-407E-A947-70E740481C1C}">
-                <a14:useLocalDpi xmlns:a14="http://schemas.microsoft.com/office/drawing/2010/main" val="0"/>
-              </a:ext>
-            </a:extLst>
-          </a:blip>
-          <a:stretch>
-            <a:fillRect/>
-          </a:stretch>
-        </p:blipFill>
-        <p:spPr>
-          <a:xfrm>
-            <a:off x="6472237" y="1920081"/>
-            <a:ext cx="4581525" cy="4162425"/>
-          </a:xfrm>
-          <a:prstGeom prst="rect">
-            <a:avLst/>
-          </a:prstGeom>
-        </p:spPr>
-      </p:pic>
     </p:spTree>
     <p:extLst>
       <p:ext uri="{BB962C8B-B14F-4D97-AF65-F5344CB8AC3E}">
@@ -4026,7 +4137,15 @@
           <a:p>
             <a:r>
               <a:rPr lang="fr-FR" b="1" dirty="0"/>
-              <a:t>2) Une première application</a:t>
+              <a:t>2) Une première application : </a:t>
+            </a:r>
+            <a:r>
+              <a:rPr lang="fr-FR" b="1" dirty="0" err="1"/>
+              <a:t>HelloWorld</a:t>
+            </a:r>
+            <a:r>
+              <a:rPr lang="fr-FR" b="1" dirty="0"/>
+              <a:t>!</a:t>
             </a:r>
             <a:endParaRPr lang="fr-FR" dirty="0"/>
           </a:p>
@@ -4049,60 +4168,20 @@
           <a:p>
             <a:r>
               <a:rPr lang="fr-FR" dirty="0"/>
-              <a:t>Création d’un premier projet</a:t>
+              <a:t>L’interface graphique avec Android</a:t>
             </a:r>
           </a:p>
           <a:p>
             <a:r>
               <a:rPr lang="fr-FR" dirty="0"/>
-              <a:t>Rappel sur les </a:t>
-            </a:r>
-            <a:r>
-              <a:rPr lang="fr-FR" b="1" dirty="0"/>
-              <a:t>objets Java </a:t>
-            </a:r>
+              <a:t>Présentation des « activités »</a:t>
+            </a:r>
+          </a:p>
+          <a:p>
             <a:r>
               <a:rPr lang="fr-FR" dirty="0"/>
-              <a:t>:</a:t>
-            </a:r>
-          </a:p>
-          <a:p>
-            <a:pPr lvl="1"/>
-            <a:r>
-              <a:rPr lang="fr-FR" b="1" dirty="0"/>
-              <a:t>Déclaration</a:t>
-            </a:r>
-          </a:p>
-          <a:p>
-            <a:pPr lvl="1"/>
-            <a:r>
-              <a:rPr lang="fr-FR" b="1" dirty="0"/>
-              <a:t>Instanciation</a:t>
-            </a:r>
-          </a:p>
-          <a:p>
-            <a:pPr lvl="1"/>
-            <a:r>
-              <a:rPr lang="fr-FR" b="1" dirty="0"/>
-              <a:t>Utilisation</a:t>
-            </a:r>
-          </a:p>
-          <a:p>
-            <a:r>
-              <a:rPr lang="fr-FR" b="1" dirty="0"/>
-              <a:t>Introduction au concept </a:t>
-            </a:r>
-            <a:r>
-              <a:rPr lang="fr-FR" dirty="0"/>
-              <a:t>d’</a:t>
-            </a:r>
-            <a:r>
-              <a:rPr lang="fr-FR" b="1" dirty="0"/>
-              <a:t>écoute événementielle</a:t>
-            </a:r>
-          </a:p>
-          <a:p>
-            <a:endParaRPr lang="fr-FR" dirty="0"/>
+              <a:t>Gestion des logs</a:t>
+            </a:r>
           </a:p>
         </p:txBody>
       </p:sp>
@@ -4227,7 +4306,7 @@
           <a:p>
             <a:r>
               <a:rPr lang="fr-FR" b="1" dirty="0"/>
-              <a:t>3) Google Services : géolocalisation, carte, …</a:t>
+              <a:t>2) Une deuxième application</a:t>
             </a:r>
             <a:endParaRPr lang="fr-FR" dirty="0"/>
           </a:p>
@@ -4250,26 +4329,117 @@
           <a:p>
             <a:r>
               <a:rPr lang="fr-FR" dirty="0"/>
-              <a:t>Affichage d’une carte</a:t>
+              <a:t>Création d’un premier projet</a:t>
             </a:r>
           </a:p>
           <a:p>
             <a:r>
               <a:rPr lang="fr-FR" dirty="0"/>
-              <a:t>Géolocalisation</a:t>
-            </a:r>
-          </a:p>
-          <a:p>
+              <a:t>Rappel sur les </a:t>
+            </a:r>
+            <a:r>
+              <a:rPr lang="fr-FR" b="1" dirty="0"/>
+              <a:t>objets Java </a:t>
+            </a:r>
             <a:r>
               <a:rPr lang="fr-FR" dirty="0"/>
-              <a:t>Géocodage</a:t>
-            </a:r>
+              <a:t>:</a:t>
+            </a:r>
+          </a:p>
+          <a:p>
+            <a:pPr lvl="1"/>
+            <a:r>
+              <a:rPr lang="fr-FR" b="1" dirty="0"/>
+              <a:t>Déclaration</a:t>
+            </a:r>
+          </a:p>
+          <a:p>
+            <a:pPr lvl="1"/>
+            <a:r>
+              <a:rPr lang="fr-FR" b="1" dirty="0"/>
+              <a:t>Instanciation</a:t>
+            </a:r>
+          </a:p>
+          <a:p>
+            <a:pPr lvl="1"/>
+            <a:r>
+              <a:rPr lang="fr-FR" b="1" dirty="0"/>
+              <a:t>Utilisation</a:t>
+            </a:r>
+          </a:p>
+          <a:p>
+            <a:r>
+              <a:rPr lang="fr-FR" b="1" dirty="0"/>
+              <a:t>Introduction au concept </a:t>
+            </a:r>
+            <a:r>
+              <a:rPr lang="fr-FR" dirty="0"/>
+              <a:t>d’</a:t>
+            </a:r>
+            <a:r>
+              <a:rPr lang="fr-FR" b="1" dirty="0"/>
+              <a:t>écoute événementielle</a:t>
+            </a:r>
+          </a:p>
+          <a:p>
+            <a:endParaRPr lang="fr-FR" dirty="0"/>
+          </a:p>
+        </p:txBody>
+      </p:sp>
+      <p:sp>
+        <p:nvSpPr>
+          <p:cNvPr id="4" name="Espace réservé du pied de page 3"/>
+          <p:cNvSpPr>
+            <a:spLocks noGrp="1"/>
+          </p:cNvSpPr>
+          <p:nvPr>
+            <p:ph type="ftr" sz="quarter" idx="11"/>
+          </p:nvPr>
+        </p:nvSpPr>
+        <p:spPr/>
+        <p:txBody>
+          <a:bodyPr/>
+          <a:lstStyle/>
+          <a:p>
+            <a:r>
+              <a:rPr lang="fr-FR"/>
+              <a:t>Sasyan Valentin</a:t>
+            </a:r>
+          </a:p>
+        </p:txBody>
+      </p:sp>
+      <p:sp>
+        <p:nvSpPr>
+          <p:cNvPr id="6" name="Espace réservé du numéro de diapositive 5"/>
+          <p:cNvSpPr>
+            <a:spLocks noGrp="1"/>
+          </p:cNvSpPr>
+          <p:nvPr>
+            <p:ph type="sldNum" sz="quarter" idx="12"/>
+          </p:nvPr>
+        </p:nvSpPr>
+        <p:spPr/>
+        <p:txBody>
+          <a:bodyPr/>
+          <a:lstStyle/>
+          <a:p>
+            <a:fld id="{3A78B538-00F0-400D-A284-C229639D6691}" type="slidenum">
+              <a:rPr lang="fr-FR" smtClean="0"/>
+              <a:t>4</a:t>
+            </a:fld>
+            <a:endParaRPr lang="fr-FR"/>
           </a:p>
         </p:txBody>
       </p:sp>
       <p:pic>
         <p:nvPicPr>
-          <p:cNvPr id="7" name="Espace réservé du contenu 6"/>
+          <p:cNvPr id="10" name="Espace réservé du contenu 9" descr="Pièces">
+            <a:extLst>
+              <a:ext uri="{FF2B5EF4-FFF2-40B4-BE49-F238E27FC236}">
+                <a16:creationId xmlns:a16="http://schemas.microsoft.com/office/drawing/2014/main" id="{0F0B4F8B-3FE0-49F5-9E49-156F7CCF69A3}"/>
+              </a:ext>
+            </a:extLst>
+          </p:cNvPr>
           <p:cNvPicPr>
             <a:picLocks noGrp="1" noChangeAspect="1"/>
           </p:cNvPicPr>
@@ -4278,10 +4448,13 @@
           </p:nvPr>
         </p:nvPicPr>
         <p:blipFill>
-          <a:blip r:embed="rId3" cstate="print">
+          <a:blip r:embed="rId3">
             <a:extLst>
               <a:ext uri="{28A0092B-C50C-407E-A947-70E740481C1C}">
                 <a14:useLocalDpi xmlns:a14="http://schemas.microsoft.com/office/drawing/2010/main" val="0"/>
+              </a:ext>
+              <a:ext uri="{96DAC541-7B7A-43D3-8B79-37D633B846F1}">
+                <asvg:svgBlip xmlns:asvg="http://schemas.microsoft.com/office/drawing/2016/SVG/main" r:embed="rId4"/>
               </a:ext>
             </a:extLst>
           </a:blip>
@@ -4291,60 +4464,15 @@
         </p:blipFill>
         <p:spPr>
           <a:xfrm>
-            <a:off x="6172200" y="2386417"/>
-            <a:ext cx="5181600" cy="3229753"/>
+            <a:off x="6450600" y="1269000"/>
+            <a:ext cx="4320000" cy="4320000"/>
           </a:xfrm>
         </p:spPr>
       </p:pic>
-      <p:sp>
-        <p:nvSpPr>
-          <p:cNvPr id="4" name="Espace réservé du pied de page 3"/>
-          <p:cNvSpPr>
-            <a:spLocks noGrp="1"/>
-          </p:cNvSpPr>
-          <p:nvPr>
-            <p:ph type="ftr" sz="quarter" idx="11"/>
-          </p:nvPr>
-        </p:nvSpPr>
-        <p:spPr/>
-        <p:txBody>
-          <a:bodyPr/>
-          <a:lstStyle/>
-          <a:p>
-            <a:r>
-              <a:rPr lang="fr-FR"/>
-              <a:t>Sasyan Valentin</a:t>
-            </a:r>
-          </a:p>
-        </p:txBody>
-      </p:sp>
-      <p:sp>
-        <p:nvSpPr>
-          <p:cNvPr id="5" name="Espace réservé du numéro de diapositive 4"/>
-          <p:cNvSpPr>
-            <a:spLocks noGrp="1"/>
-          </p:cNvSpPr>
-          <p:nvPr>
-            <p:ph type="sldNum" sz="quarter" idx="12"/>
-          </p:nvPr>
-        </p:nvSpPr>
-        <p:spPr/>
-        <p:txBody>
-          <a:bodyPr/>
-          <a:lstStyle/>
-          <a:p>
-            <a:fld id="{3A78B538-00F0-400D-A284-C229639D6691}" type="slidenum">
-              <a:rPr lang="fr-FR" smtClean="0"/>
-              <a:t>4</a:t>
-            </a:fld>
-            <a:endParaRPr lang="fr-FR"/>
-          </a:p>
-        </p:txBody>
-      </p:sp>
     </p:spTree>
     <p:extLst>
       <p:ext uri="{BB962C8B-B14F-4D97-AF65-F5344CB8AC3E}">
-        <p14:creationId xmlns:p14="http://schemas.microsoft.com/office/powerpoint/2010/main" val="3254908144"/>
+        <p14:creationId xmlns:p14="http://schemas.microsoft.com/office/powerpoint/2010/main" val="2425305975"/>
       </p:ext>
     </p:extLst>
   </p:cSld>
@@ -4388,19 +4516,7 @@
           <a:p>
             <a:r>
               <a:rPr lang="fr-FR" b="1" dirty="0"/>
-              <a:t>4) Base de données </a:t>
-            </a:r>
-            <a:r>
-              <a:rPr lang="fr-FR" b="1" dirty="0" err="1"/>
-              <a:t>SQLite</a:t>
-            </a:r>
-            <a:r>
-              <a:rPr lang="fr-FR" b="1" dirty="0"/>
-              <a:t> et </a:t>
-            </a:r>
-            <a:r>
-              <a:rPr lang="fr-FR" b="1" dirty="0" err="1"/>
-              <a:t>SpatiaLite</a:t>
+              <a:t>3) Google Services : géolocalisation, carte, …</a:t>
             </a:r>
             <a:endParaRPr lang="fr-FR" dirty="0"/>
           </a:p>
@@ -4413,7 +4529,7 @@
             <a:spLocks noGrp="1"/>
           </p:cNvSpPr>
           <p:nvPr>
-            <p:ph idx="1"/>
+            <p:ph sz="half" idx="1"/>
           </p:nvPr>
         </p:nvSpPr>
         <p:spPr/>
@@ -4423,17 +4539,60 @@
           <a:p>
             <a:r>
               <a:rPr lang="fr-FR" dirty="0"/>
-              <a:t>Création de classes Java spécialisées</a:t>
-            </a:r>
-          </a:p>
-          <a:p>
+              <a:t>Affichage d’une carte</a:t>
+            </a:r>
+          </a:p>
+          <a:p>
+            <a:pPr lvl="1"/>
             <a:r>
               <a:rPr lang="fr-FR" dirty="0"/>
-              <a:t>Utilisation d’une base de donnée</a:t>
-            </a:r>
-          </a:p>
-        </p:txBody>
-      </p:sp>
+              <a:t>Géolocalisation</a:t>
+            </a:r>
+          </a:p>
+          <a:p>
+            <a:pPr lvl="1"/>
+            <a:r>
+              <a:rPr lang="fr-FR" dirty="0"/>
+              <a:t>Géocodage</a:t>
+            </a:r>
+          </a:p>
+          <a:p>
+            <a:r>
+              <a:rPr lang="fr-FR" dirty="0"/>
+              <a:t>Communication entre activités et services</a:t>
+            </a:r>
+          </a:p>
+        </p:txBody>
+      </p:sp>
+      <p:pic>
+        <p:nvPicPr>
+          <p:cNvPr id="7" name="Espace réservé du contenu 6"/>
+          <p:cNvPicPr>
+            <a:picLocks noGrp="1" noChangeAspect="1"/>
+          </p:cNvPicPr>
+          <p:nvPr>
+            <p:ph sz="half" idx="2"/>
+          </p:nvPr>
+        </p:nvPicPr>
+        <p:blipFill>
+          <a:blip r:embed="rId3" cstate="print">
+            <a:extLst>
+              <a:ext uri="{28A0092B-C50C-407E-A947-70E740481C1C}">
+                <a14:useLocalDpi xmlns:a14="http://schemas.microsoft.com/office/drawing/2010/main" val="0"/>
+              </a:ext>
+            </a:extLst>
+          </a:blip>
+          <a:stretch>
+            <a:fillRect/>
+          </a:stretch>
+        </p:blipFill>
+        <p:spPr>
+          <a:xfrm>
+            <a:off x="6172200" y="2386417"/>
+            <a:ext cx="5181600" cy="3229753"/>
+          </a:xfrm>
+        </p:spPr>
+      </p:pic>
       <p:sp>
         <p:nvSpPr>
           <p:cNvPr id="4" name="Espace réservé du pied de page 3"/>
@@ -4482,7 +4641,7 @@
     </p:spTree>
     <p:extLst>
       <p:ext uri="{BB962C8B-B14F-4D97-AF65-F5344CB8AC3E}">
-        <p14:creationId xmlns:p14="http://schemas.microsoft.com/office/powerpoint/2010/main" val="2586927189"/>
+        <p14:creationId xmlns:p14="http://schemas.microsoft.com/office/powerpoint/2010/main" val="3254908144"/>
       </p:ext>
     </p:extLst>
   </p:cSld>
@@ -4526,7 +4685,7 @@
           <a:p>
             <a:r>
               <a:rPr lang="fr-FR" b="1" dirty="0"/>
-              <a:t>5) Prises de photo</a:t>
+              <a:t>4) Prises de photo</a:t>
             </a:r>
             <a:endParaRPr lang="fr-FR" dirty="0"/>
           </a:p>
@@ -4539,7 +4698,7 @@
             <a:spLocks noGrp="1"/>
           </p:cNvSpPr>
           <p:nvPr>
-            <p:ph idx="1"/>
+            <p:ph sz="half" idx="1"/>
           </p:nvPr>
         </p:nvSpPr>
         <p:spPr/>
@@ -4550,6 +4709,12 @@
             <a:r>
               <a:rPr lang="fr-FR" dirty="0"/>
               <a:t>Prise de photo via « Intent »</a:t>
+            </a:r>
+          </a:p>
+          <a:p>
+            <a:r>
+              <a:rPr lang="fr-FR" dirty="0"/>
+              <a:t>Communication entre applications</a:t>
             </a:r>
           </a:p>
         </p:txBody>
@@ -4599,10 +4764,209 @@
           </a:p>
         </p:txBody>
       </p:sp>
+      <p:pic>
+        <p:nvPicPr>
+          <p:cNvPr id="16" name="Espace réservé du contenu 14" descr="Caméra">
+            <a:extLst>
+              <a:ext uri="{FF2B5EF4-FFF2-40B4-BE49-F238E27FC236}">
+                <a16:creationId xmlns:a16="http://schemas.microsoft.com/office/drawing/2014/main" id="{DDE665D0-570A-43DC-BA61-37C1992782F6}"/>
+              </a:ext>
+            </a:extLst>
+          </p:cNvPr>
+          <p:cNvPicPr>
+            <a:picLocks noGrp="1" noChangeAspect="1"/>
+          </p:cNvPicPr>
+          <p:nvPr>
+            <p:ph sz="half" idx="2"/>
+          </p:nvPr>
+        </p:nvPicPr>
+        <p:blipFill>
+          <a:blip r:embed="rId3">
+            <a:extLst>
+              <a:ext uri="{28A0092B-C50C-407E-A947-70E740481C1C}">
+                <a14:useLocalDpi xmlns:a14="http://schemas.microsoft.com/office/drawing/2010/main" val="0"/>
+              </a:ext>
+              <a:ext uri="{96DAC541-7B7A-43D3-8B79-37D633B846F1}">
+                <asvg:svgBlip xmlns:asvg="http://schemas.microsoft.com/office/drawing/2016/SVG/main" r:embed="rId4"/>
+              </a:ext>
+            </a:extLst>
+          </a:blip>
+          <a:stretch>
+            <a:fillRect/>
+          </a:stretch>
+        </p:blipFill>
+        <p:spPr>
+          <a:xfrm>
+            <a:off x="6450600" y="1269000"/>
+            <a:ext cx="4320000" cy="4320000"/>
+          </a:xfrm>
+        </p:spPr>
+      </p:pic>
     </p:spTree>
     <p:extLst>
       <p:ext uri="{BB962C8B-B14F-4D97-AF65-F5344CB8AC3E}">
         <p14:creationId xmlns:p14="http://schemas.microsoft.com/office/powerpoint/2010/main" val="218320813"/>
+      </p:ext>
+    </p:extLst>
+  </p:cSld>
+  <p:clrMapOvr>
+    <a:masterClrMapping/>
+  </p:clrMapOvr>
+</p:sld>
+</file>
+
+<file path=ppt/slides/slide7.xml><?xml version="1.0" encoding="utf-8"?>
+<p:sld xmlns:a="http://schemas.openxmlformats.org/drawingml/2006/main" xmlns:r="http://schemas.openxmlformats.org/officeDocument/2006/relationships" xmlns:p="http://schemas.openxmlformats.org/presentationml/2006/main">
+  <p:cSld>
+    <p:spTree>
+      <p:nvGrpSpPr>
+        <p:cNvPr id="1" name=""/>
+        <p:cNvGrpSpPr/>
+        <p:nvPr/>
+      </p:nvGrpSpPr>
+      <p:grpSpPr>
+        <a:xfrm>
+          <a:off x="0" y="0"/>
+          <a:ext cx="0" cy="0"/>
+          <a:chOff x="0" y="0"/>
+          <a:chExt cx="0" cy="0"/>
+        </a:xfrm>
+      </p:grpSpPr>
+      <p:sp>
+        <p:nvSpPr>
+          <p:cNvPr id="2" name="Titre 1"/>
+          <p:cNvSpPr>
+            <a:spLocks noGrp="1"/>
+          </p:cNvSpPr>
+          <p:nvPr>
+            <p:ph type="title"/>
+          </p:nvPr>
+        </p:nvSpPr>
+        <p:spPr/>
+        <p:txBody>
+          <a:bodyPr/>
+          <a:lstStyle/>
+          <a:p>
+            <a:r>
+              <a:rPr lang="fr-FR" b="1" dirty="0"/>
+              <a:t>5) Base de données SQLite</a:t>
+            </a:r>
+            <a:endParaRPr lang="fr-FR" dirty="0"/>
+          </a:p>
+        </p:txBody>
+      </p:sp>
+      <p:sp>
+        <p:nvSpPr>
+          <p:cNvPr id="3" name="Espace réservé du contenu 2"/>
+          <p:cNvSpPr>
+            <a:spLocks noGrp="1"/>
+          </p:cNvSpPr>
+          <p:nvPr>
+            <p:ph sz="half" idx="1"/>
+          </p:nvPr>
+        </p:nvSpPr>
+        <p:spPr/>
+        <p:txBody>
+          <a:bodyPr/>
+          <a:lstStyle/>
+          <a:p>
+            <a:r>
+              <a:rPr lang="fr-FR" dirty="0"/>
+              <a:t>Création de classes Java spécialisées</a:t>
+            </a:r>
+          </a:p>
+          <a:p>
+            <a:r>
+              <a:rPr lang="fr-FR" dirty="0"/>
+              <a:t>Utilisation d’une base de donnée</a:t>
+            </a:r>
+          </a:p>
+        </p:txBody>
+      </p:sp>
+      <p:sp>
+        <p:nvSpPr>
+          <p:cNvPr id="4" name="Espace réservé du pied de page 3"/>
+          <p:cNvSpPr>
+            <a:spLocks noGrp="1"/>
+          </p:cNvSpPr>
+          <p:nvPr>
+            <p:ph type="ftr" sz="quarter" idx="11"/>
+          </p:nvPr>
+        </p:nvSpPr>
+        <p:spPr/>
+        <p:txBody>
+          <a:bodyPr/>
+          <a:lstStyle/>
+          <a:p>
+            <a:r>
+              <a:rPr lang="fr-FR"/>
+              <a:t>Sasyan Valentin</a:t>
+            </a:r>
+          </a:p>
+        </p:txBody>
+      </p:sp>
+      <p:sp>
+        <p:nvSpPr>
+          <p:cNvPr id="5" name="Espace réservé du numéro de diapositive 4"/>
+          <p:cNvSpPr>
+            <a:spLocks noGrp="1"/>
+          </p:cNvSpPr>
+          <p:nvPr>
+            <p:ph type="sldNum" sz="quarter" idx="12"/>
+          </p:nvPr>
+        </p:nvSpPr>
+        <p:spPr/>
+        <p:txBody>
+          <a:bodyPr/>
+          <a:lstStyle/>
+          <a:p>
+            <a:fld id="{3A78B538-00F0-400D-A284-C229639D6691}" type="slidenum">
+              <a:rPr lang="fr-FR" smtClean="0"/>
+              <a:t>7</a:t>
+            </a:fld>
+            <a:endParaRPr lang="fr-FR"/>
+          </a:p>
+        </p:txBody>
+      </p:sp>
+      <p:pic>
+        <p:nvPicPr>
+          <p:cNvPr id="7" name="Espace réservé du contenu 11">
+            <a:extLst>
+              <a:ext uri="{FF2B5EF4-FFF2-40B4-BE49-F238E27FC236}">
+                <a16:creationId xmlns:a16="http://schemas.microsoft.com/office/drawing/2014/main" id="{C3BD26C8-A754-40D8-82C8-E004737530F3}"/>
+              </a:ext>
+            </a:extLst>
+          </p:cNvPr>
+          <p:cNvPicPr>
+            <a:picLocks noGrp="1" noChangeAspect="1"/>
+          </p:cNvPicPr>
+          <p:nvPr>
+            <p:ph sz="half" idx="2"/>
+          </p:nvPr>
+        </p:nvPicPr>
+        <p:blipFill>
+          <a:blip r:embed="rId3" cstate="print">
+            <a:extLst>
+              <a:ext uri="{28A0092B-C50C-407E-A947-70E740481C1C}">
+                <a14:useLocalDpi xmlns:a14="http://schemas.microsoft.com/office/drawing/2010/main" val="0"/>
+              </a:ext>
+            </a:extLst>
+          </a:blip>
+          <a:stretch>
+            <a:fillRect/>
+          </a:stretch>
+        </p:blipFill>
+        <p:spPr>
+          <a:xfrm>
+            <a:off x="6172200" y="2773255"/>
+            <a:ext cx="5181600" cy="2456078"/>
+          </a:xfrm>
+        </p:spPr>
+      </p:pic>
+    </p:spTree>
+    <p:extLst>
+      <p:ext uri="{BB962C8B-B14F-4D97-AF65-F5344CB8AC3E}">
+        <p14:creationId xmlns:p14="http://schemas.microsoft.com/office/powerpoint/2010/main" val="2586927189"/>
       </p:ext>
     </p:extLst>
   </p:cSld>

--- a/plan_du_cours.pptx
+++ b/plan_du_cours.pptx
@@ -203,7 +203,7 @@
           <a:p>
             <a:fld id="{2A11EF29-F031-4460-BDC1-2F4C0816FF62}" type="datetimeFigureOut">
               <a:rPr lang="fr-FR" smtClean="0"/>
-              <a:t>03/01/2020</a:t>
+              <a:t>05/01/2020</a:t>
             </a:fld>
             <a:endParaRPr lang="fr-FR"/>
           </a:p>
@@ -514,41 +514,7 @@
           <a:bodyPr/>
           <a:lstStyle/>
           <a:p>
-            <a:r>
-              <a:rPr lang="fr-FR" dirty="0"/>
-              <a:t>JRE : Java </a:t>
-            </a:r>
-            <a:r>
-              <a:rPr lang="fr-FR" dirty="0" err="1"/>
-              <a:t>Runtime</a:t>
-            </a:r>
-            <a:r>
-              <a:rPr lang="fr-FR" baseline="0" dirty="0"/>
-              <a:t> Environnement</a:t>
-            </a:r>
             <a:endParaRPr lang="fr-FR" dirty="0"/>
-          </a:p>
-          <a:p>
-            <a:r>
-              <a:rPr lang="fr-FR" dirty="0"/>
-              <a:t>SDK : Software </a:t>
-            </a:r>
-            <a:r>
-              <a:rPr lang="fr-FR" dirty="0" err="1"/>
-              <a:t>Development</a:t>
-            </a:r>
-            <a:r>
-              <a:rPr lang="fr-FR" dirty="0"/>
-              <a:t> Ki</a:t>
-            </a:r>
-            <a:r>
-              <a:rPr lang="fr-FR" baseline="0" dirty="0"/>
-              <a:t> =</a:t>
-            </a:r>
-            <a:r>
-              <a:rPr lang="fr-FR" dirty="0"/>
-              <a:t> Kit de Développement (Logiciel)</a:t>
-            </a:r>
           </a:p>
         </p:txBody>
       </p:sp>
@@ -632,41 +598,7 @@
           <a:bodyPr/>
           <a:lstStyle/>
           <a:p>
-            <a:r>
-              <a:rPr lang="fr-FR" dirty="0"/>
-              <a:t>JRE : Java </a:t>
-            </a:r>
-            <a:r>
-              <a:rPr lang="fr-FR" dirty="0" err="1"/>
-              <a:t>Runtime</a:t>
-            </a:r>
-            <a:r>
-              <a:rPr lang="fr-FR" baseline="0" dirty="0"/>
-              <a:t> Environnement</a:t>
-            </a:r>
             <a:endParaRPr lang="fr-FR" dirty="0"/>
-          </a:p>
-          <a:p>
-            <a:r>
-              <a:rPr lang="fr-FR" dirty="0"/>
-              <a:t>SDK : Software </a:t>
-            </a:r>
-            <a:r>
-              <a:rPr lang="fr-FR" dirty="0" err="1"/>
-              <a:t>Development</a:t>
-            </a:r>
-            <a:r>
-              <a:rPr lang="fr-FR" dirty="0"/>
-              <a:t> Ki</a:t>
-            </a:r>
-            <a:r>
-              <a:rPr lang="fr-FR" baseline="0" dirty="0"/>
-              <a:t> =</a:t>
-            </a:r>
-            <a:r>
-              <a:rPr lang="fr-FR" dirty="0"/>
-              <a:t> Kit de Développement (Logiciel)</a:t>
-            </a:r>
           </a:p>
         </p:txBody>
       </p:sp>
@@ -1087,7 +1019,7 @@
           <a:p>
             <a:fld id="{61E68B4C-A18C-4580-9DBF-10C1B552DA0A}" type="datetime1">
               <a:rPr lang="fr-FR" smtClean="0"/>
-              <a:t>03/01/2020</a:t>
+              <a:t>05/01/2020</a:t>
             </a:fld>
             <a:endParaRPr lang="fr-FR"/>
           </a:p>
@@ -1258,7 +1190,7 @@
           <a:p>
             <a:fld id="{33BBDF30-760E-44D6-9977-54B88BDB306F}" type="datetime1">
               <a:rPr lang="fr-FR" smtClean="0"/>
-              <a:t>03/01/2020</a:t>
+              <a:t>05/01/2020</a:t>
             </a:fld>
             <a:endParaRPr lang="fr-FR"/>
           </a:p>
@@ -1439,7 +1371,7 @@
           <a:p>
             <a:fld id="{936C1701-50D5-46A3-8884-D7962FCBEB35}" type="datetime1">
               <a:rPr lang="fr-FR" smtClean="0"/>
-              <a:t>03/01/2020</a:t>
+              <a:t>05/01/2020</a:t>
             </a:fld>
             <a:endParaRPr lang="fr-FR"/>
           </a:p>
@@ -1610,7 +1542,7 @@
           <a:p>
             <a:fld id="{FB1C5CD7-A317-4B47-8334-BE6C77F3043D}" type="datetime1">
               <a:rPr lang="fr-FR" smtClean="0"/>
-              <a:t>03/01/2020</a:t>
+              <a:t>05/01/2020</a:t>
             </a:fld>
             <a:endParaRPr lang="fr-FR"/>
           </a:p>
@@ -1858,7 +1790,7 @@
           <a:p>
             <a:fld id="{27BB4E62-2182-4E64-A865-E0316FE55639}" type="datetime1">
               <a:rPr lang="fr-FR" smtClean="0"/>
-              <a:t>03/01/2020</a:t>
+              <a:t>05/01/2020</a:t>
             </a:fld>
             <a:endParaRPr lang="fr-FR"/>
           </a:p>
@@ -2090,7 +2022,7 @@
           <a:p>
             <a:fld id="{5C848654-37BD-4CD6-BC6D-5ABAE3294E16}" type="datetime1">
               <a:rPr lang="fr-FR" smtClean="0"/>
-              <a:t>03/01/2020</a:t>
+              <a:t>05/01/2020</a:t>
             </a:fld>
             <a:endParaRPr lang="fr-FR"/>
           </a:p>
@@ -2457,7 +2389,7 @@
           <a:p>
             <a:fld id="{868D0E6B-48A9-4A38-BF7D-049DC383303E}" type="datetime1">
               <a:rPr lang="fr-FR" smtClean="0"/>
-              <a:t>03/01/2020</a:t>
+              <a:t>05/01/2020</a:t>
             </a:fld>
             <a:endParaRPr lang="fr-FR"/>
           </a:p>
@@ -2577,7 +2509,7 @@
           <a:p>
             <a:fld id="{48C90E04-18E3-4E93-8B1D-B61C20F8CDF0}" type="datetime1">
               <a:rPr lang="fr-FR" smtClean="0"/>
-              <a:t>03/01/2020</a:t>
+              <a:t>05/01/2020</a:t>
             </a:fld>
             <a:endParaRPr lang="fr-FR"/>
           </a:p>
@@ -2675,7 +2607,7 @@
           <a:p>
             <a:fld id="{35B94D30-C13E-4A60-87D1-612090FE3305}" type="datetime1">
               <a:rPr lang="fr-FR" smtClean="0"/>
-              <a:t>03/01/2020</a:t>
+              <a:t>05/01/2020</a:t>
             </a:fld>
             <a:endParaRPr lang="fr-FR"/>
           </a:p>
@@ -2953,7 +2885,7 @@
           <a:p>
             <a:fld id="{566614E8-8C48-447B-8312-B5AD964AE5CA}" type="datetime1">
               <a:rPr lang="fr-FR" smtClean="0"/>
-              <a:t>03/01/2020</a:t>
+              <a:t>05/01/2020</a:t>
             </a:fld>
             <a:endParaRPr lang="fr-FR"/>
           </a:p>
@@ -3208,7 +3140,7 @@
           <a:p>
             <a:fld id="{269CDBDD-4A65-4264-B0FD-6A38E12ADD25}" type="datetime1">
               <a:rPr lang="fr-FR" smtClean="0"/>
-              <a:t>03/01/2020</a:t>
+              <a:t>05/01/2020</a:t>
             </a:fld>
             <a:endParaRPr lang="fr-FR"/>
           </a:p>
@@ -3422,7 +3354,7 @@
           <a:p>
             <a:fld id="{A2F7CCBE-29F8-4CD9-B9A9-0931E30CBD53}" type="datetime1">
               <a:rPr lang="fr-FR" smtClean="0"/>
-              <a:t>03/01/2020</a:t>
+              <a:t>05/01/2020</a:t>
             </a:fld>
             <a:endParaRPr lang="fr-FR"/>
           </a:p>
@@ -4306,7 +4238,11 @@
           <a:p>
             <a:r>
               <a:rPr lang="fr-FR" b="1" dirty="0"/>
-              <a:t>2) Une deuxième application</a:t>
+              <a:t>2) Une </a:t>
+            </a:r>
+            <a:r>
+              <a:rPr lang="fr-FR" b="1"/>
+              <a:t>deuxième application : Pile ou Face</a:t>
             </a:r>
             <a:endParaRPr lang="fr-FR" dirty="0"/>
           </a:p>
@@ -4326,12 +4262,6 @@
         <p:txBody>
           <a:bodyPr/>
           <a:lstStyle/>
-          <a:p>
-            <a:r>
-              <a:rPr lang="fr-FR" dirty="0"/>
-              <a:t>Création d’un premier projet</a:t>
-            </a:r>
-          </a:p>
           <a:p>
             <a:r>
               <a:rPr lang="fr-FR" dirty="0"/>
@@ -4382,7 +4312,10 @@
             </a:r>
           </a:p>
           <a:p>
-            <a:endParaRPr lang="fr-FR" dirty="0"/>
+            <a:r>
+              <a:rPr lang="fr-FR" dirty="0"/>
+              <a:t>Organisation des éléments graphiques</a:t>
+            </a:r>
           </a:p>
         </p:txBody>
       </p:sp>

--- a/plan_du_cours.pptx
+++ b/plan_du_cours.pptx
@@ -5,7 +5,7 @@
     <p:sldMasterId id="2147483648" r:id="rId1"/>
   </p:sldMasterIdLst>
   <p:notesMasterIdLst>
-    <p:notesMasterId r:id="rId9"/>
+    <p:notesMasterId r:id="rId10"/>
   </p:notesMasterIdLst>
   <p:sldIdLst>
     <p:sldId id="256" r:id="rId2"/>
@@ -15,6 +15,7 @@
     <p:sldId id="261" r:id="rId6"/>
     <p:sldId id="265" r:id="rId7"/>
     <p:sldId id="264" r:id="rId8"/>
+    <p:sldId id="267" r:id="rId9"/>
   </p:sldIdLst>
   <p:sldSz cx="12192000" cy="6858000"/>
   <p:notesSz cx="6858000" cy="9144000"/>
@@ -203,7 +204,7 @@
           <a:p>
             <a:fld id="{2A11EF29-F031-4460-BDC1-2F4C0816FF62}" type="datetimeFigureOut">
               <a:rPr lang="fr-FR" smtClean="0"/>
-              <a:t>05/01/2020</a:t>
+              <a:t>15/01/2021</a:t>
             </a:fld>
             <a:endParaRPr lang="fr-FR"/>
           </a:p>
@@ -890,6 +891,90 @@
 </p:notes>
 </file>
 
+<file path=ppt/notesSlides/notesSlide6.xml><?xml version="1.0" encoding="utf-8"?>
+<p:notes xmlns:a="http://schemas.openxmlformats.org/drawingml/2006/main" xmlns:r="http://schemas.openxmlformats.org/officeDocument/2006/relationships" xmlns:p="http://schemas.openxmlformats.org/presentationml/2006/main">
+  <p:cSld>
+    <p:spTree>
+      <p:nvGrpSpPr>
+        <p:cNvPr id="1" name=""/>
+        <p:cNvGrpSpPr/>
+        <p:nvPr/>
+      </p:nvGrpSpPr>
+      <p:grpSpPr>
+        <a:xfrm>
+          <a:off x="0" y="0"/>
+          <a:ext cx="0" cy="0"/>
+          <a:chOff x="0" y="0"/>
+          <a:chExt cx="0" cy="0"/>
+        </a:xfrm>
+      </p:grpSpPr>
+      <p:sp>
+        <p:nvSpPr>
+          <p:cNvPr id="2" name="Espace réservé de l'image des diapositives 1"/>
+          <p:cNvSpPr>
+            <a:spLocks noGrp="1" noRot="1" noChangeAspect="1"/>
+          </p:cNvSpPr>
+          <p:nvPr>
+            <p:ph type="sldImg"/>
+          </p:nvPr>
+        </p:nvSpPr>
+        <p:spPr/>
+      </p:sp>
+      <p:sp>
+        <p:nvSpPr>
+          <p:cNvPr id="3" name="Espace réservé des commentaires 2"/>
+          <p:cNvSpPr>
+            <a:spLocks noGrp="1"/>
+          </p:cNvSpPr>
+          <p:nvPr>
+            <p:ph type="body" idx="1"/>
+          </p:nvPr>
+        </p:nvSpPr>
+        <p:spPr/>
+        <p:txBody>
+          <a:bodyPr/>
+          <a:lstStyle/>
+          <a:p>
+            <a:endParaRPr lang="fr-FR" dirty="0"/>
+          </a:p>
+        </p:txBody>
+      </p:sp>
+      <p:sp>
+        <p:nvSpPr>
+          <p:cNvPr id="4" name="Espace réservé du numéro de diapositive 3"/>
+          <p:cNvSpPr>
+            <a:spLocks noGrp="1"/>
+          </p:cNvSpPr>
+          <p:nvPr>
+            <p:ph type="sldNum" sz="quarter" idx="10"/>
+          </p:nvPr>
+        </p:nvSpPr>
+        <p:spPr/>
+        <p:txBody>
+          <a:bodyPr/>
+          <a:lstStyle/>
+          <a:p>
+            <a:fld id="{EF12E977-82C1-4366-8217-70F96AE9AED3}" type="slidenum">
+              <a:rPr lang="fr-FR" smtClean="0"/>
+              <a:t>8</a:t>
+            </a:fld>
+            <a:endParaRPr lang="fr-FR"/>
+          </a:p>
+        </p:txBody>
+      </p:sp>
+    </p:spTree>
+    <p:extLst>
+      <p:ext uri="{BB962C8B-B14F-4D97-AF65-F5344CB8AC3E}">
+        <p14:creationId xmlns:p14="http://schemas.microsoft.com/office/powerpoint/2010/main" val="603461570"/>
+      </p:ext>
+    </p:extLst>
+  </p:cSld>
+  <p:clrMapOvr>
+    <a:masterClrMapping/>
+  </p:clrMapOvr>
+</p:notes>
+</file>
+
 <file path=ppt/slideLayouts/slideLayout1.xml><?xml version="1.0" encoding="utf-8"?>
 <p:sldLayout xmlns:a="http://schemas.openxmlformats.org/drawingml/2006/main" xmlns:r="http://schemas.openxmlformats.org/officeDocument/2006/relationships" xmlns:p="http://schemas.openxmlformats.org/presentationml/2006/main" type="title" preserve="1">
   <p:cSld name="Diapositive de titre">
@@ -1019,7 +1104,7 @@
           <a:p>
             <a:fld id="{61E68B4C-A18C-4580-9DBF-10C1B552DA0A}" type="datetime1">
               <a:rPr lang="fr-FR" smtClean="0"/>
-              <a:t>05/01/2020</a:t>
+              <a:t>15/01/2021</a:t>
             </a:fld>
             <a:endParaRPr lang="fr-FR"/>
           </a:p>
@@ -1190,7 +1275,7 @@
           <a:p>
             <a:fld id="{33BBDF30-760E-44D6-9977-54B88BDB306F}" type="datetime1">
               <a:rPr lang="fr-FR" smtClean="0"/>
-              <a:t>05/01/2020</a:t>
+              <a:t>15/01/2021</a:t>
             </a:fld>
             <a:endParaRPr lang="fr-FR"/>
           </a:p>
@@ -1371,7 +1456,7 @@
           <a:p>
             <a:fld id="{936C1701-50D5-46A3-8884-D7962FCBEB35}" type="datetime1">
               <a:rPr lang="fr-FR" smtClean="0"/>
-              <a:t>05/01/2020</a:t>
+              <a:t>15/01/2021</a:t>
             </a:fld>
             <a:endParaRPr lang="fr-FR"/>
           </a:p>
@@ -1542,7 +1627,7 @@
           <a:p>
             <a:fld id="{FB1C5CD7-A317-4B47-8334-BE6C77F3043D}" type="datetime1">
               <a:rPr lang="fr-FR" smtClean="0"/>
-              <a:t>05/01/2020</a:t>
+              <a:t>15/01/2021</a:t>
             </a:fld>
             <a:endParaRPr lang="fr-FR"/>
           </a:p>
@@ -1790,7 +1875,7 @@
           <a:p>
             <a:fld id="{27BB4E62-2182-4E64-A865-E0316FE55639}" type="datetime1">
               <a:rPr lang="fr-FR" smtClean="0"/>
-              <a:t>05/01/2020</a:t>
+              <a:t>15/01/2021</a:t>
             </a:fld>
             <a:endParaRPr lang="fr-FR"/>
           </a:p>
@@ -2022,7 +2107,7 @@
           <a:p>
             <a:fld id="{5C848654-37BD-4CD6-BC6D-5ABAE3294E16}" type="datetime1">
               <a:rPr lang="fr-FR" smtClean="0"/>
-              <a:t>05/01/2020</a:t>
+              <a:t>15/01/2021</a:t>
             </a:fld>
             <a:endParaRPr lang="fr-FR"/>
           </a:p>
@@ -2389,7 +2474,7 @@
           <a:p>
             <a:fld id="{868D0E6B-48A9-4A38-BF7D-049DC383303E}" type="datetime1">
               <a:rPr lang="fr-FR" smtClean="0"/>
-              <a:t>05/01/2020</a:t>
+              <a:t>15/01/2021</a:t>
             </a:fld>
             <a:endParaRPr lang="fr-FR"/>
           </a:p>
@@ -2509,7 +2594,7 @@
           <a:p>
             <a:fld id="{48C90E04-18E3-4E93-8B1D-B61C20F8CDF0}" type="datetime1">
               <a:rPr lang="fr-FR" smtClean="0"/>
-              <a:t>05/01/2020</a:t>
+              <a:t>15/01/2021</a:t>
             </a:fld>
             <a:endParaRPr lang="fr-FR"/>
           </a:p>
@@ -2607,7 +2692,7 @@
           <a:p>
             <a:fld id="{35B94D30-C13E-4A60-87D1-612090FE3305}" type="datetime1">
               <a:rPr lang="fr-FR" smtClean="0"/>
-              <a:t>05/01/2020</a:t>
+              <a:t>15/01/2021</a:t>
             </a:fld>
             <a:endParaRPr lang="fr-FR"/>
           </a:p>
@@ -2885,7 +2970,7 @@
           <a:p>
             <a:fld id="{566614E8-8C48-447B-8312-B5AD964AE5CA}" type="datetime1">
               <a:rPr lang="fr-FR" smtClean="0"/>
-              <a:t>05/01/2020</a:t>
+              <a:t>15/01/2021</a:t>
             </a:fld>
             <a:endParaRPr lang="fr-FR"/>
           </a:p>
@@ -3140,7 +3225,7 @@
           <a:p>
             <a:fld id="{269CDBDD-4A65-4264-B0FD-6A38E12ADD25}" type="datetime1">
               <a:rPr lang="fr-FR" smtClean="0"/>
-              <a:t>05/01/2020</a:t>
+              <a:t>15/01/2021</a:t>
             </a:fld>
             <a:endParaRPr lang="fr-FR"/>
           </a:p>
@@ -3354,7 +3439,7 @@
           <a:p>
             <a:fld id="{A2F7CCBE-29F8-4CD9-B9A9-0931E30CBD53}" type="datetime1">
               <a:rPr lang="fr-FR" smtClean="0"/>
-              <a:t>05/01/2020</a:t>
+              <a:t>15/01/2021</a:t>
             </a:fld>
             <a:endParaRPr lang="fr-FR"/>
           </a:p>
@@ -4900,6 +4985,174 @@
     <p:extLst>
       <p:ext uri="{BB962C8B-B14F-4D97-AF65-F5344CB8AC3E}">
         <p14:creationId xmlns:p14="http://schemas.microsoft.com/office/powerpoint/2010/main" val="2586927189"/>
+      </p:ext>
+    </p:extLst>
+  </p:cSld>
+  <p:clrMapOvr>
+    <a:masterClrMapping/>
+  </p:clrMapOvr>
+</p:sld>
+</file>
+
+<file path=ppt/slides/slide8.xml><?xml version="1.0" encoding="utf-8"?>
+<p:sld xmlns:a="http://schemas.openxmlformats.org/drawingml/2006/main" xmlns:r="http://schemas.openxmlformats.org/officeDocument/2006/relationships" xmlns:p="http://schemas.openxmlformats.org/presentationml/2006/main">
+  <p:cSld>
+    <p:spTree>
+      <p:nvGrpSpPr>
+        <p:cNvPr id="1" name=""/>
+        <p:cNvGrpSpPr/>
+        <p:nvPr/>
+      </p:nvGrpSpPr>
+      <p:grpSpPr>
+        <a:xfrm>
+          <a:off x="0" y="0"/>
+          <a:ext cx="0" cy="0"/>
+          <a:chOff x="0" y="0"/>
+          <a:chExt cx="0" cy="0"/>
+        </a:xfrm>
+      </p:grpSpPr>
+      <p:sp>
+        <p:nvSpPr>
+          <p:cNvPr id="2" name="Titre 1"/>
+          <p:cNvSpPr>
+            <a:spLocks noGrp="1"/>
+          </p:cNvSpPr>
+          <p:nvPr>
+            <p:ph type="title"/>
+          </p:nvPr>
+        </p:nvSpPr>
+        <p:spPr/>
+        <p:txBody>
+          <a:bodyPr/>
+          <a:lstStyle/>
+          <a:p>
+            <a:r>
+              <a:rPr lang="fr-FR" b="1" dirty="0"/>
+              <a:t>6) Capteurs du téléphone</a:t>
+            </a:r>
+            <a:endParaRPr lang="fr-FR" dirty="0"/>
+          </a:p>
+        </p:txBody>
+      </p:sp>
+      <p:sp>
+        <p:nvSpPr>
+          <p:cNvPr id="3" name="Espace réservé du contenu 2"/>
+          <p:cNvSpPr>
+            <a:spLocks noGrp="1"/>
+          </p:cNvSpPr>
+          <p:nvPr>
+            <p:ph sz="half" idx="1"/>
+          </p:nvPr>
+        </p:nvSpPr>
+        <p:spPr/>
+        <p:txBody>
+          <a:bodyPr/>
+          <a:lstStyle/>
+          <a:p>
+            <a:r>
+              <a:rPr lang="fr-FR" dirty="0"/>
+              <a:t>Récupération des données des capteurs du téléphone</a:t>
+            </a:r>
+          </a:p>
+          <a:p>
+            <a:r>
+              <a:rPr lang="fr-FR" dirty="0" err="1"/>
+              <a:t>SensorManager</a:t>
+            </a:r>
+            <a:r>
+              <a:rPr lang="fr-FR" dirty="0"/>
+              <a:t>, écouteurs et permissions</a:t>
+            </a:r>
+          </a:p>
+        </p:txBody>
+      </p:sp>
+      <p:sp>
+        <p:nvSpPr>
+          <p:cNvPr id="4" name="Espace réservé du pied de page 3"/>
+          <p:cNvSpPr>
+            <a:spLocks noGrp="1"/>
+          </p:cNvSpPr>
+          <p:nvPr>
+            <p:ph type="ftr" sz="quarter" idx="11"/>
+          </p:nvPr>
+        </p:nvSpPr>
+        <p:spPr/>
+        <p:txBody>
+          <a:bodyPr/>
+          <a:lstStyle/>
+          <a:p>
+            <a:r>
+              <a:rPr lang="fr-FR"/>
+              <a:t>Sasyan Valentin</a:t>
+            </a:r>
+          </a:p>
+        </p:txBody>
+      </p:sp>
+      <p:sp>
+        <p:nvSpPr>
+          <p:cNvPr id="5" name="Espace réservé du numéro de diapositive 4"/>
+          <p:cNvSpPr>
+            <a:spLocks noGrp="1"/>
+          </p:cNvSpPr>
+          <p:nvPr>
+            <p:ph type="sldNum" sz="quarter" idx="12"/>
+          </p:nvPr>
+        </p:nvSpPr>
+        <p:spPr/>
+        <p:txBody>
+          <a:bodyPr/>
+          <a:lstStyle/>
+          <a:p>
+            <a:fld id="{3A78B538-00F0-400D-A284-C229639D6691}" type="slidenum">
+              <a:rPr lang="fr-FR" smtClean="0"/>
+              <a:t>8</a:t>
+            </a:fld>
+            <a:endParaRPr lang="fr-FR"/>
+          </a:p>
+        </p:txBody>
+      </p:sp>
+      <p:pic>
+        <p:nvPicPr>
+          <p:cNvPr id="15" name="Espace réservé du contenu 14" descr="Braille">
+            <a:extLst>
+              <a:ext uri="{FF2B5EF4-FFF2-40B4-BE49-F238E27FC236}">
+                <a16:creationId xmlns:a16="http://schemas.microsoft.com/office/drawing/2014/main" id="{C3B66E52-D81E-4E3C-8332-B5FE40788AAF}"/>
+              </a:ext>
+            </a:extLst>
+          </p:cNvPr>
+          <p:cNvPicPr>
+            <a:picLocks noGrp="1" noChangeAspect="1"/>
+          </p:cNvPicPr>
+          <p:nvPr>
+            <p:ph sz="half" idx="2"/>
+          </p:nvPr>
+        </p:nvPicPr>
+        <p:blipFill>
+          <a:blip r:embed="rId3">
+            <a:extLst>
+              <a:ext uri="{28A0092B-C50C-407E-A947-70E740481C1C}">
+                <a14:useLocalDpi xmlns:a14="http://schemas.microsoft.com/office/drawing/2010/main" val="0"/>
+              </a:ext>
+              <a:ext uri="{96DAC541-7B7A-43D3-8B79-37D633B846F1}">
+                <asvg:svgBlip xmlns:asvg="http://schemas.microsoft.com/office/drawing/2016/SVG/main" r:embed="rId4"/>
+              </a:ext>
+            </a:extLst>
+          </a:blip>
+          <a:stretch>
+            <a:fillRect/>
+          </a:stretch>
+        </p:blipFill>
+        <p:spPr>
+          <a:xfrm>
+            <a:off x="6512472" y="1541873"/>
+            <a:ext cx="4196255" cy="4196255"/>
+          </a:xfrm>
+        </p:spPr>
+      </p:pic>
+    </p:spTree>
+    <p:extLst>
+      <p:ext uri="{BB962C8B-B14F-4D97-AF65-F5344CB8AC3E}">
+        <p14:creationId xmlns:p14="http://schemas.microsoft.com/office/powerpoint/2010/main" val="570260577"/>
       </p:ext>
     </p:extLst>
   </p:cSld>

--- a/plan_du_cours.pptx
+++ b/plan_du_cours.pptx
@@ -14,8 +14,8 @@
     <p:sldId id="266" r:id="rId5"/>
     <p:sldId id="261" r:id="rId6"/>
     <p:sldId id="265" r:id="rId7"/>
-    <p:sldId id="264" r:id="rId8"/>
-    <p:sldId id="267" r:id="rId9"/>
+    <p:sldId id="267" r:id="rId8"/>
+    <p:sldId id="264" r:id="rId9"/>
   </p:sldIdLst>
   <p:sldSz cx="12192000" cy="6858000"/>
   <p:notesSz cx="6858000" cy="9144000"/>
@@ -204,7 +204,7 @@
           <a:p>
             <a:fld id="{2A11EF29-F031-4460-BDC1-2F4C0816FF62}" type="datetimeFigureOut">
               <a:rPr lang="fr-FR" smtClean="0"/>
-              <a:t>15/01/2021</a:t>
+              <a:t>28/01/2023</a:t>
             </a:fld>
             <a:endParaRPr lang="fr-FR"/>
           </a:p>
@@ -881,7 +881,7 @@
     </p:spTree>
     <p:extLst>
       <p:ext uri="{BB962C8B-B14F-4D97-AF65-F5344CB8AC3E}">
-        <p14:creationId xmlns:p14="http://schemas.microsoft.com/office/powerpoint/2010/main" val="834258146"/>
+        <p14:creationId xmlns:p14="http://schemas.microsoft.com/office/powerpoint/2010/main" val="603461570"/>
       </p:ext>
     </p:extLst>
   </p:cSld>
@@ -965,7 +965,7 @@
     </p:spTree>
     <p:extLst>
       <p:ext uri="{BB962C8B-B14F-4D97-AF65-F5344CB8AC3E}">
-        <p14:creationId xmlns:p14="http://schemas.microsoft.com/office/powerpoint/2010/main" val="603461570"/>
+        <p14:creationId xmlns:p14="http://schemas.microsoft.com/office/powerpoint/2010/main" val="834258146"/>
       </p:ext>
     </p:extLst>
   </p:cSld>
@@ -1104,7 +1104,7 @@
           <a:p>
             <a:fld id="{61E68B4C-A18C-4580-9DBF-10C1B552DA0A}" type="datetime1">
               <a:rPr lang="fr-FR" smtClean="0"/>
-              <a:t>15/01/2021</a:t>
+              <a:t>28/01/2023</a:t>
             </a:fld>
             <a:endParaRPr lang="fr-FR"/>
           </a:p>
@@ -1275,7 +1275,7 @@
           <a:p>
             <a:fld id="{33BBDF30-760E-44D6-9977-54B88BDB306F}" type="datetime1">
               <a:rPr lang="fr-FR" smtClean="0"/>
-              <a:t>15/01/2021</a:t>
+              <a:t>28/01/2023</a:t>
             </a:fld>
             <a:endParaRPr lang="fr-FR"/>
           </a:p>
@@ -1456,7 +1456,7 @@
           <a:p>
             <a:fld id="{936C1701-50D5-46A3-8884-D7962FCBEB35}" type="datetime1">
               <a:rPr lang="fr-FR" smtClean="0"/>
-              <a:t>15/01/2021</a:t>
+              <a:t>28/01/2023</a:t>
             </a:fld>
             <a:endParaRPr lang="fr-FR"/>
           </a:p>
@@ -1627,7 +1627,7 @@
           <a:p>
             <a:fld id="{FB1C5CD7-A317-4B47-8334-BE6C77F3043D}" type="datetime1">
               <a:rPr lang="fr-FR" smtClean="0"/>
-              <a:t>15/01/2021</a:t>
+              <a:t>28/01/2023</a:t>
             </a:fld>
             <a:endParaRPr lang="fr-FR"/>
           </a:p>
@@ -1875,7 +1875,7 @@
           <a:p>
             <a:fld id="{27BB4E62-2182-4E64-A865-E0316FE55639}" type="datetime1">
               <a:rPr lang="fr-FR" smtClean="0"/>
-              <a:t>15/01/2021</a:t>
+              <a:t>28/01/2023</a:t>
             </a:fld>
             <a:endParaRPr lang="fr-FR"/>
           </a:p>
@@ -2107,7 +2107,7 @@
           <a:p>
             <a:fld id="{5C848654-37BD-4CD6-BC6D-5ABAE3294E16}" type="datetime1">
               <a:rPr lang="fr-FR" smtClean="0"/>
-              <a:t>15/01/2021</a:t>
+              <a:t>28/01/2023</a:t>
             </a:fld>
             <a:endParaRPr lang="fr-FR"/>
           </a:p>
@@ -2474,7 +2474,7 @@
           <a:p>
             <a:fld id="{868D0E6B-48A9-4A38-BF7D-049DC383303E}" type="datetime1">
               <a:rPr lang="fr-FR" smtClean="0"/>
-              <a:t>15/01/2021</a:t>
+              <a:t>28/01/2023</a:t>
             </a:fld>
             <a:endParaRPr lang="fr-FR"/>
           </a:p>
@@ -2594,7 +2594,7 @@
           <a:p>
             <a:fld id="{48C90E04-18E3-4E93-8B1D-B61C20F8CDF0}" type="datetime1">
               <a:rPr lang="fr-FR" smtClean="0"/>
-              <a:t>15/01/2021</a:t>
+              <a:t>28/01/2023</a:t>
             </a:fld>
             <a:endParaRPr lang="fr-FR"/>
           </a:p>
@@ -2692,7 +2692,7 @@
           <a:p>
             <a:fld id="{35B94D30-C13E-4A60-87D1-612090FE3305}" type="datetime1">
               <a:rPr lang="fr-FR" smtClean="0"/>
-              <a:t>15/01/2021</a:t>
+              <a:t>28/01/2023</a:t>
             </a:fld>
             <a:endParaRPr lang="fr-FR"/>
           </a:p>
@@ -2970,7 +2970,7 @@
           <a:p>
             <a:fld id="{566614E8-8C48-447B-8312-B5AD964AE5CA}" type="datetime1">
               <a:rPr lang="fr-FR" smtClean="0"/>
-              <a:t>15/01/2021</a:t>
+              <a:t>28/01/2023</a:t>
             </a:fld>
             <a:endParaRPr lang="fr-FR"/>
           </a:p>
@@ -3225,7 +3225,7 @@
           <a:p>
             <a:fld id="{269CDBDD-4A65-4264-B0FD-6A38E12ADD25}" type="datetime1">
               <a:rPr lang="fr-FR" smtClean="0"/>
-              <a:t>15/01/2021</a:t>
+              <a:t>28/01/2023</a:t>
             </a:fld>
             <a:endParaRPr lang="fr-FR"/>
           </a:p>
@@ -3439,7 +3439,7 @@
           <a:p>
             <a:fld id="{A2F7CCBE-29F8-4CD9-B9A9-0931E30CBD53}" type="datetime1">
               <a:rPr lang="fr-FR" smtClean="0"/>
-              <a:t>15/01/2021</a:t>
+              <a:t>28/01/2023</a:t>
             </a:fld>
             <a:endParaRPr lang="fr-FR"/>
           </a:p>
@@ -3890,7 +3890,7 @@
           <a:p>
             <a:r>
               <a:rPr lang="fr-FR" dirty="0"/>
-              <a:t>ENSG, Cours d’introduction à Android</a:t>
+              <a:t>ENSG, Cours d’applications mobiles</a:t>
             </a:r>
           </a:p>
         </p:txBody>
@@ -3972,7 +3972,7 @@
           <a:p>
             <a:r>
               <a:rPr lang="fr-FR" b="1" dirty="0"/>
-              <a:t>1) Présentation d’Android</a:t>
+              <a:t>1) Introduction</a:t>
             </a:r>
           </a:p>
         </p:txBody>
@@ -3994,41 +3994,40 @@
           <a:p>
             <a:r>
               <a:rPr lang="fr-FR" dirty="0"/>
-              <a:t>Développement sous Android</a:t>
+              <a:t>Android / iOS</a:t>
+            </a:r>
+          </a:p>
+          <a:p>
+            <a:r>
+              <a:rPr lang="fr-FR" dirty="0"/>
+              <a:t>Applications</a:t>
+            </a:r>
+          </a:p>
+          <a:p>
+            <a:r>
+              <a:rPr lang="fr-FR" dirty="0"/>
+              <a:t>Android : environnement de développement</a:t>
             </a:r>
           </a:p>
           <a:p>
             <a:pPr lvl="1"/>
             <a:r>
               <a:rPr lang="fr-FR" dirty="0"/>
-              <a:t>Applications « natives »</a:t>
+              <a:t>Android Studio</a:t>
             </a:r>
           </a:p>
           <a:p>
             <a:pPr lvl="1"/>
             <a:r>
               <a:rPr lang="fr-FR" dirty="0"/>
-              <a:t>Autres applications</a:t>
-            </a:r>
-          </a:p>
-          <a:p>
+              <a:t>Principes de développement</a:t>
+            </a:r>
+          </a:p>
+          <a:p>
+            <a:pPr lvl="1"/>
             <a:r>
               <a:rPr lang="fr-FR" dirty="0"/>
-              <a:t>Présentation de l’environnement de développement</a:t>
-            </a:r>
-          </a:p>
-          <a:p>
-            <a:pPr lvl="1"/>
-            <a:r>
-              <a:rPr lang="fr-FR" dirty="0"/>
-              <a:t>Organisation du code</a:t>
-            </a:r>
-          </a:p>
-          <a:p>
-            <a:pPr lvl="1"/>
-            <a:r>
-              <a:rPr lang="fr-FR" dirty="0"/>
-              <a:t>Design Pattern</a:t>
+              <a:t>Les API Google</a:t>
             </a:r>
           </a:p>
         </p:txBody>
@@ -4186,6 +4185,12 @@
             <a:r>
               <a:rPr lang="fr-FR" dirty="0"/>
               <a:t>L’interface graphique avec Android</a:t>
+            </a:r>
+          </a:p>
+          <a:p>
+            <a:r>
+              <a:rPr lang="fr-FR" dirty="0"/>
+              <a:t>Utilisation de l’émulateur</a:t>
             </a:r>
           </a:p>
           <a:p>
@@ -4323,11 +4328,7 @@
           <a:p>
             <a:r>
               <a:rPr lang="fr-FR" b="1" dirty="0"/>
-              <a:t>2) Une </a:t>
-            </a:r>
-            <a:r>
-              <a:rPr lang="fr-FR" b="1"/>
-              <a:t>deuxième application : Pile ou Face</a:t>
+              <a:t>3) Une deuxième application : Pile ou Face</a:t>
             </a:r>
             <a:endParaRPr lang="fr-FR" dirty="0"/>
           </a:p>
@@ -4534,7 +4535,7 @@
           <a:p>
             <a:r>
               <a:rPr lang="fr-FR" b="1" dirty="0"/>
-              <a:t>3) Google Services : géolocalisation, carte, …</a:t>
+              <a:t>4) Google Services : géolocalisation, carte, …</a:t>
             </a:r>
             <a:endParaRPr lang="fr-FR" dirty="0"/>
           </a:p>
@@ -4703,7 +4704,7 @@
           <a:p>
             <a:r>
               <a:rPr lang="fr-FR" b="1" dirty="0"/>
-              <a:t>4) Prises de photo</a:t>
+              <a:t>5) Prises de photo</a:t>
             </a:r>
             <a:endParaRPr lang="fr-FR" dirty="0"/>
           </a:p>
@@ -4867,7 +4868,7 @@
           <a:p>
             <a:r>
               <a:rPr lang="fr-FR" b="1" dirty="0"/>
-              <a:t>5) Base de données SQLite</a:t>
+              <a:t>6) Capteurs du téléphone</a:t>
             </a:r>
             <a:endParaRPr lang="fr-FR" dirty="0"/>
           </a:p>
@@ -4890,13 +4891,17 @@
           <a:p>
             <a:r>
               <a:rPr lang="fr-FR" dirty="0"/>
-              <a:t>Création de classes Java spécialisées</a:t>
-            </a:r>
-          </a:p>
-          <a:p>
+              <a:t>Récupération des données des capteurs du téléphone</a:t>
+            </a:r>
+          </a:p>
+          <a:p>
+            <a:r>
+              <a:rPr lang="fr-FR" dirty="0" err="1"/>
+              <a:t>SensorManager</a:t>
+            </a:r>
             <a:r>
               <a:rPr lang="fr-FR" dirty="0"/>
-              <a:t>Utilisation d’une base de donnée</a:t>
+              <a:t>, écouteurs et permissions</a:t>
             </a:r>
           </a:p>
         </p:txBody>
@@ -4941,171 +4946,6 @@
             <a:fld id="{3A78B538-00F0-400D-A284-C229639D6691}" type="slidenum">
               <a:rPr lang="fr-FR" smtClean="0"/>
               <a:t>7</a:t>
-            </a:fld>
-            <a:endParaRPr lang="fr-FR"/>
-          </a:p>
-        </p:txBody>
-      </p:sp>
-      <p:pic>
-        <p:nvPicPr>
-          <p:cNvPr id="7" name="Espace réservé du contenu 11">
-            <a:extLst>
-              <a:ext uri="{FF2B5EF4-FFF2-40B4-BE49-F238E27FC236}">
-                <a16:creationId xmlns:a16="http://schemas.microsoft.com/office/drawing/2014/main" id="{C3BD26C8-A754-40D8-82C8-E004737530F3}"/>
-              </a:ext>
-            </a:extLst>
-          </p:cNvPr>
-          <p:cNvPicPr>
-            <a:picLocks noGrp="1" noChangeAspect="1"/>
-          </p:cNvPicPr>
-          <p:nvPr>
-            <p:ph sz="half" idx="2"/>
-          </p:nvPr>
-        </p:nvPicPr>
-        <p:blipFill>
-          <a:blip r:embed="rId3" cstate="print">
-            <a:extLst>
-              <a:ext uri="{28A0092B-C50C-407E-A947-70E740481C1C}">
-                <a14:useLocalDpi xmlns:a14="http://schemas.microsoft.com/office/drawing/2010/main" val="0"/>
-              </a:ext>
-            </a:extLst>
-          </a:blip>
-          <a:stretch>
-            <a:fillRect/>
-          </a:stretch>
-        </p:blipFill>
-        <p:spPr>
-          <a:xfrm>
-            <a:off x="6172200" y="2773255"/>
-            <a:ext cx="5181600" cy="2456078"/>
-          </a:xfrm>
-        </p:spPr>
-      </p:pic>
-    </p:spTree>
-    <p:extLst>
-      <p:ext uri="{BB962C8B-B14F-4D97-AF65-F5344CB8AC3E}">
-        <p14:creationId xmlns:p14="http://schemas.microsoft.com/office/powerpoint/2010/main" val="2586927189"/>
-      </p:ext>
-    </p:extLst>
-  </p:cSld>
-  <p:clrMapOvr>
-    <a:masterClrMapping/>
-  </p:clrMapOvr>
-</p:sld>
-</file>
-
-<file path=ppt/slides/slide8.xml><?xml version="1.0" encoding="utf-8"?>
-<p:sld xmlns:a="http://schemas.openxmlformats.org/drawingml/2006/main" xmlns:r="http://schemas.openxmlformats.org/officeDocument/2006/relationships" xmlns:p="http://schemas.openxmlformats.org/presentationml/2006/main">
-  <p:cSld>
-    <p:spTree>
-      <p:nvGrpSpPr>
-        <p:cNvPr id="1" name=""/>
-        <p:cNvGrpSpPr/>
-        <p:nvPr/>
-      </p:nvGrpSpPr>
-      <p:grpSpPr>
-        <a:xfrm>
-          <a:off x="0" y="0"/>
-          <a:ext cx="0" cy="0"/>
-          <a:chOff x="0" y="0"/>
-          <a:chExt cx="0" cy="0"/>
-        </a:xfrm>
-      </p:grpSpPr>
-      <p:sp>
-        <p:nvSpPr>
-          <p:cNvPr id="2" name="Titre 1"/>
-          <p:cNvSpPr>
-            <a:spLocks noGrp="1"/>
-          </p:cNvSpPr>
-          <p:nvPr>
-            <p:ph type="title"/>
-          </p:nvPr>
-        </p:nvSpPr>
-        <p:spPr/>
-        <p:txBody>
-          <a:bodyPr/>
-          <a:lstStyle/>
-          <a:p>
-            <a:r>
-              <a:rPr lang="fr-FR" b="1" dirty="0"/>
-              <a:t>6) Capteurs du téléphone</a:t>
-            </a:r>
-            <a:endParaRPr lang="fr-FR" dirty="0"/>
-          </a:p>
-        </p:txBody>
-      </p:sp>
-      <p:sp>
-        <p:nvSpPr>
-          <p:cNvPr id="3" name="Espace réservé du contenu 2"/>
-          <p:cNvSpPr>
-            <a:spLocks noGrp="1"/>
-          </p:cNvSpPr>
-          <p:nvPr>
-            <p:ph sz="half" idx="1"/>
-          </p:nvPr>
-        </p:nvSpPr>
-        <p:spPr/>
-        <p:txBody>
-          <a:bodyPr/>
-          <a:lstStyle/>
-          <a:p>
-            <a:r>
-              <a:rPr lang="fr-FR" dirty="0"/>
-              <a:t>Récupération des données des capteurs du téléphone</a:t>
-            </a:r>
-          </a:p>
-          <a:p>
-            <a:r>
-              <a:rPr lang="fr-FR" dirty="0" err="1"/>
-              <a:t>SensorManager</a:t>
-            </a:r>
-            <a:r>
-              <a:rPr lang="fr-FR" dirty="0"/>
-              <a:t>, écouteurs et permissions</a:t>
-            </a:r>
-          </a:p>
-        </p:txBody>
-      </p:sp>
-      <p:sp>
-        <p:nvSpPr>
-          <p:cNvPr id="4" name="Espace réservé du pied de page 3"/>
-          <p:cNvSpPr>
-            <a:spLocks noGrp="1"/>
-          </p:cNvSpPr>
-          <p:nvPr>
-            <p:ph type="ftr" sz="quarter" idx="11"/>
-          </p:nvPr>
-        </p:nvSpPr>
-        <p:spPr/>
-        <p:txBody>
-          <a:bodyPr/>
-          <a:lstStyle/>
-          <a:p>
-            <a:r>
-              <a:rPr lang="fr-FR"/>
-              <a:t>Sasyan Valentin</a:t>
-            </a:r>
-          </a:p>
-        </p:txBody>
-      </p:sp>
-      <p:sp>
-        <p:nvSpPr>
-          <p:cNvPr id="5" name="Espace réservé du numéro de diapositive 4"/>
-          <p:cNvSpPr>
-            <a:spLocks noGrp="1"/>
-          </p:cNvSpPr>
-          <p:nvPr>
-            <p:ph type="sldNum" sz="quarter" idx="12"/>
-          </p:nvPr>
-        </p:nvSpPr>
-        <p:spPr/>
-        <p:txBody>
-          <a:bodyPr/>
-          <a:lstStyle/>
-          <a:p>
-            <a:fld id="{3A78B538-00F0-400D-A284-C229639D6691}" type="slidenum">
-              <a:rPr lang="fr-FR" smtClean="0"/>
-              <a:t>8</a:t>
             </a:fld>
             <a:endParaRPr lang="fr-FR"/>
           </a:p>
@@ -5153,6 +4993,167 @@
     <p:extLst>
       <p:ext uri="{BB962C8B-B14F-4D97-AF65-F5344CB8AC3E}">
         <p14:creationId xmlns:p14="http://schemas.microsoft.com/office/powerpoint/2010/main" val="570260577"/>
+      </p:ext>
+    </p:extLst>
+  </p:cSld>
+  <p:clrMapOvr>
+    <a:masterClrMapping/>
+  </p:clrMapOvr>
+</p:sld>
+</file>
+
+<file path=ppt/slides/slide8.xml><?xml version="1.0" encoding="utf-8"?>
+<p:sld xmlns:a="http://schemas.openxmlformats.org/drawingml/2006/main" xmlns:r="http://schemas.openxmlformats.org/officeDocument/2006/relationships" xmlns:p="http://schemas.openxmlformats.org/presentationml/2006/main">
+  <p:cSld>
+    <p:spTree>
+      <p:nvGrpSpPr>
+        <p:cNvPr id="1" name=""/>
+        <p:cNvGrpSpPr/>
+        <p:nvPr/>
+      </p:nvGrpSpPr>
+      <p:grpSpPr>
+        <a:xfrm>
+          <a:off x="0" y="0"/>
+          <a:ext cx="0" cy="0"/>
+          <a:chOff x="0" y="0"/>
+          <a:chExt cx="0" cy="0"/>
+        </a:xfrm>
+      </p:grpSpPr>
+      <p:sp>
+        <p:nvSpPr>
+          <p:cNvPr id="2" name="Titre 1"/>
+          <p:cNvSpPr>
+            <a:spLocks noGrp="1"/>
+          </p:cNvSpPr>
+          <p:nvPr>
+            <p:ph type="title"/>
+          </p:nvPr>
+        </p:nvSpPr>
+        <p:spPr/>
+        <p:txBody>
+          <a:bodyPr/>
+          <a:lstStyle/>
+          <a:p>
+            <a:r>
+              <a:rPr lang="fr-FR" b="1" dirty="0"/>
+              <a:t>7) Base de données SQLite</a:t>
+            </a:r>
+            <a:endParaRPr lang="fr-FR" dirty="0"/>
+          </a:p>
+        </p:txBody>
+      </p:sp>
+      <p:sp>
+        <p:nvSpPr>
+          <p:cNvPr id="3" name="Espace réservé du contenu 2"/>
+          <p:cNvSpPr>
+            <a:spLocks noGrp="1"/>
+          </p:cNvSpPr>
+          <p:nvPr>
+            <p:ph sz="half" idx="1"/>
+          </p:nvPr>
+        </p:nvSpPr>
+        <p:spPr/>
+        <p:txBody>
+          <a:bodyPr/>
+          <a:lstStyle/>
+          <a:p>
+            <a:r>
+              <a:rPr lang="fr-FR" dirty="0"/>
+              <a:t>Création de classes Java spécialisées</a:t>
+            </a:r>
+          </a:p>
+          <a:p>
+            <a:r>
+              <a:rPr lang="fr-FR" dirty="0"/>
+              <a:t>Utilisation d’une base de donnée</a:t>
+            </a:r>
+          </a:p>
+        </p:txBody>
+      </p:sp>
+      <p:sp>
+        <p:nvSpPr>
+          <p:cNvPr id="4" name="Espace réservé du pied de page 3"/>
+          <p:cNvSpPr>
+            <a:spLocks noGrp="1"/>
+          </p:cNvSpPr>
+          <p:nvPr>
+            <p:ph type="ftr" sz="quarter" idx="11"/>
+          </p:nvPr>
+        </p:nvSpPr>
+        <p:spPr/>
+        <p:txBody>
+          <a:bodyPr/>
+          <a:lstStyle/>
+          <a:p>
+            <a:r>
+              <a:rPr lang="fr-FR"/>
+              <a:t>Sasyan Valentin</a:t>
+            </a:r>
+          </a:p>
+        </p:txBody>
+      </p:sp>
+      <p:sp>
+        <p:nvSpPr>
+          <p:cNvPr id="5" name="Espace réservé du numéro de diapositive 4"/>
+          <p:cNvSpPr>
+            <a:spLocks noGrp="1"/>
+          </p:cNvSpPr>
+          <p:nvPr>
+            <p:ph type="sldNum" sz="quarter" idx="12"/>
+          </p:nvPr>
+        </p:nvSpPr>
+        <p:spPr/>
+        <p:txBody>
+          <a:bodyPr/>
+          <a:lstStyle/>
+          <a:p>
+            <a:fld id="{3A78B538-00F0-400D-A284-C229639D6691}" type="slidenum">
+              <a:rPr lang="fr-FR" smtClean="0"/>
+              <a:t>8</a:t>
+            </a:fld>
+            <a:endParaRPr lang="fr-FR"/>
+          </a:p>
+        </p:txBody>
+      </p:sp>
+      <p:pic>
+        <p:nvPicPr>
+          <p:cNvPr id="7" name="Espace réservé du contenu 11">
+            <a:extLst>
+              <a:ext uri="{FF2B5EF4-FFF2-40B4-BE49-F238E27FC236}">
+                <a16:creationId xmlns:a16="http://schemas.microsoft.com/office/drawing/2014/main" id="{C3BD26C8-A754-40D8-82C8-E004737530F3}"/>
+              </a:ext>
+            </a:extLst>
+          </p:cNvPr>
+          <p:cNvPicPr>
+            <a:picLocks noGrp="1" noChangeAspect="1"/>
+          </p:cNvPicPr>
+          <p:nvPr>
+            <p:ph sz="half" idx="2"/>
+          </p:nvPr>
+        </p:nvPicPr>
+        <p:blipFill>
+          <a:blip r:embed="rId3" cstate="print">
+            <a:extLst>
+              <a:ext uri="{28A0092B-C50C-407E-A947-70E740481C1C}">
+                <a14:useLocalDpi xmlns:a14="http://schemas.microsoft.com/office/drawing/2010/main" val="0"/>
+              </a:ext>
+            </a:extLst>
+          </a:blip>
+          <a:stretch>
+            <a:fillRect/>
+          </a:stretch>
+        </p:blipFill>
+        <p:spPr>
+          <a:xfrm>
+            <a:off x="6172200" y="2773255"/>
+            <a:ext cx="5181600" cy="2456078"/>
+          </a:xfrm>
+        </p:spPr>
+      </p:pic>
+    </p:spTree>
+    <p:extLst>
+      <p:ext uri="{BB962C8B-B14F-4D97-AF65-F5344CB8AC3E}">
+        <p14:creationId xmlns:p14="http://schemas.microsoft.com/office/powerpoint/2010/main" val="2586927189"/>
       </p:ext>
     </p:extLst>
   </p:cSld>
